--- a/ZahnradHspA-main/Zahnlos GmbH & Co.pptx
+++ b/ZahnradHspA-main/Zahnlos GmbH & Co.pptx
@@ -7,11 +7,14 @@
   <p:sldIdLst>
     <p:sldId id="266" r:id="rId5"/>
     <p:sldId id="271" r:id="rId6"/>
-    <p:sldId id="268" r:id="rId7"/>
-    <p:sldId id="267" r:id="rId8"/>
-    <p:sldId id="270" r:id="rId9"/>
-    <p:sldId id="262" r:id="rId10"/>
-    <p:sldId id="269" r:id="rId11"/>
+    <p:sldId id="270" r:id="rId7"/>
+    <p:sldId id="268" r:id="rId8"/>
+    <p:sldId id="267" r:id="rId9"/>
+    <p:sldId id="273" r:id="rId10"/>
+    <p:sldId id="275" r:id="rId11"/>
+    <p:sldId id="272" r:id="rId12"/>
+    <p:sldId id="262" r:id="rId13"/>
+    <p:sldId id="269" r:id="rId14"/>
   </p:sldIdLst>
   <p:sldSz cx="9144000" cy="6858000" type="screen4x3"/>
   <p:notesSz cx="6858000" cy="9144000"/>
@@ -3997,8 +4000,8 @@
         </p:nvSpPr>
         <p:spPr>
           <a:xfrm>
-            <a:off x="2431368" y="4221088"/>
-            <a:ext cx="4281264" cy="1782688"/>
+            <a:off x="2627784" y="2537656"/>
+            <a:ext cx="4281264" cy="2115480"/>
           </a:xfrm>
         </p:spPr>
         <p:txBody>
@@ -4012,7 +4015,18 @@
                 </a:solidFill>
                 <a:latin typeface="Bahnschrift SemiCondensed" panose="020B0502040204020203" pitchFamily="34" charset="0"/>
               </a:rPr>
-              <a:t>Grafisches Programm zur Fertigung von Zahnrädern</a:t>
+              <a:t>Grafische Oberfläche zum erstellen von Zahnrädern in Catia </a:t>
+            </a:r>
+            <a:r>
+              <a:rPr lang="de-DE" b="1" dirty="0">
+                <a:solidFill>
+                  <a:schemeClr val="tx2">
+                    <a:lumMod val="50000"/>
+                  </a:schemeClr>
+                </a:solidFill>
+                <a:latin typeface="Bahnschrift SemiCondensed" panose="020B0502040204020203" pitchFamily="34" charset="0"/>
+              </a:rPr>
+              <a:t>(Sprint 3) 17.12.2020</a:t>
             </a:r>
           </a:p>
         </p:txBody>
@@ -4053,6 +4067,146 @@
           </a:prstGeom>
         </p:spPr>
       </p:pic>
+    </p:spTree>
+  </p:cSld>
+  <p:clrMapOvr>
+    <a:masterClrMapping/>
+  </p:clrMapOvr>
+</p:sld>
+</file>
+
+<file path=ppt/slides/slide10.xml><?xml version="1.0" encoding="utf-8"?>
+<p:sld xmlns:a="http://schemas.openxmlformats.org/drawingml/2006/main" xmlns:r="http://schemas.openxmlformats.org/officeDocument/2006/relationships" xmlns:p="http://schemas.openxmlformats.org/presentationml/2006/main">
+  <p:cSld>
+    <p:spTree>
+      <p:nvGrpSpPr>
+        <p:cNvPr id="1" name=""/>
+        <p:cNvGrpSpPr/>
+        <p:nvPr/>
+      </p:nvGrpSpPr>
+      <p:grpSpPr>
+        <a:xfrm>
+          <a:off x="0" y="0"/>
+          <a:ext cx="0" cy="0"/>
+          <a:chOff x="0" y="0"/>
+          <a:chExt cx="0" cy="0"/>
+        </a:xfrm>
+      </p:grpSpPr>
+      <p:sp>
+        <p:nvSpPr>
+          <p:cNvPr id="2" name="Title 1"/>
+          <p:cNvSpPr>
+            <a:spLocks noGrp="1"/>
+          </p:cNvSpPr>
+          <p:nvPr>
+            <p:ph type="title"/>
+          </p:nvPr>
+        </p:nvSpPr>
+        <p:spPr/>
+        <p:txBody>
+          <a:bodyPr>
+            <a:normAutofit/>
+          </a:bodyPr>
+          <a:lstStyle/>
+          <a:p>
+            <a:r>
+              <a:rPr lang="de-DE" sz="2000" dirty="0">
+                <a:solidFill>
+                  <a:srgbClr val="F8F8F8"/>
+                </a:solidFill>
+              </a:rPr>
+              <a:t>Literaturverzeichnis Grafik aus Präsentation</a:t>
+            </a:r>
+          </a:p>
+        </p:txBody>
+      </p:sp>
+      <p:sp>
+        <p:nvSpPr>
+          <p:cNvPr id="4" name="Inhaltsplatzhalter 3">
+            <a:extLst>
+              <a:ext uri="{FF2B5EF4-FFF2-40B4-BE49-F238E27FC236}">
+                <a16:creationId xmlns:a16="http://schemas.microsoft.com/office/drawing/2014/main" id="{D125F3EA-B28C-404A-84AE-9E5A670BD4ED}"/>
+              </a:ext>
+            </a:extLst>
+          </p:cNvPr>
+          <p:cNvSpPr>
+            <a:spLocks noGrp="1"/>
+          </p:cNvSpPr>
+          <p:nvPr>
+            <p:ph idx="1"/>
+          </p:nvPr>
+        </p:nvSpPr>
+        <p:spPr>
+          <a:xfrm>
+            <a:off x="755576" y="1916832"/>
+            <a:ext cx="7657728" cy="4195192"/>
+          </a:xfrm>
+        </p:spPr>
+        <p:txBody>
+          <a:bodyPr/>
+          <a:lstStyle/>
+          <a:p>
+            <a:pPr marL="0" indent="0">
+              <a:buNone/>
+            </a:pPr>
+            <a:endParaRPr lang="de-DE" sz="1600" dirty="0"/>
+          </a:p>
+          <a:p>
+            <a:pPr marL="0" indent="0">
+              <a:buNone/>
+            </a:pPr>
+            <a:r>
+              <a:rPr lang="de-DE" sz="1600" dirty="0"/>
+              <a:t>Abb. 1:</a:t>
+            </a:r>
+            <a:r>
+              <a:rPr lang="de-DE" sz="1600" dirty="0">
+                <a:solidFill>
+                  <a:schemeClr val="bg1">
+                    <a:lumMod val="10000"/>
+                  </a:schemeClr>
+                </a:solidFill>
+              </a:rPr>
+              <a:t> </a:t>
+            </a:r>
+            <a:r>
+              <a:rPr lang="de-DE" sz="1600" u="sng" dirty="0">
+                <a:solidFill>
+                  <a:schemeClr val="bg1">
+                    <a:lumMod val="10000"/>
+                  </a:schemeClr>
+                </a:solidFill>
+              </a:rPr>
+              <a:t>https://www.leonardocompany.com/o/adaptive-media/image/5157133/h_560/LDO_banner_software.jpg?t=1550744881800</a:t>
+            </a:r>
+          </a:p>
+          <a:p>
+            <a:pPr marL="0" indent="0">
+              <a:buNone/>
+            </a:pPr>
+            <a:endParaRPr lang="de-DE" sz="1600" dirty="0"/>
+          </a:p>
+          <a:p>
+            <a:pPr marL="0" indent="0">
+              <a:buNone/>
+            </a:pPr>
+            <a:r>
+              <a:rPr lang="de-DE" sz="1600" dirty="0"/>
+              <a:t>Abb. 2: </a:t>
+            </a:r>
+            <a:r>
+              <a:rPr lang="de-DE" sz="1600" u="sng" dirty="0">
+                <a:solidFill>
+                  <a:schemeClr val="bg1">
+                    <a:lumMod val="10000"/>
+                  </a:schemeClr>
+                </a:solidFill>
+              </a:rPr>
+              <a:t>https://caso.com/wp-content/uploads/2019/12/Team-Photo-scaled.jpg</a:t>
+            </a:r>
+          </a:p>
+        </p:txBody>
+      </p:sp>
     </p:spTree>
   </p:cSld>
   <p:clrMapOvr>
@@ -4331,6 +4485,462 @@
       </p:grpSpPr>
       <p:sp>
         <p:nvSpPr>
+          <p:cNvPr id="2" name="Titel 1">
+            <a:extLst>
+              <a:ext uri="{FF2B5EF4-FFF2-40B4-BE49-F238E27FC236}">
+                <a16:creationId xmlns:a16="http://schemas.microsoft.com/office/drawing/2014/main" id="{BE62BAB1-4727-41BD-8FF0-5DA9E4AA5F25}"/>
+              </a:ext>
+            </a:extLst>
+          </p:cNvPr>
+          <p:cNvSpPr>
+            <a:spLocks noGrp="1"/>
+          </p:cNvSpPr>
+          <p:nvPr>
+            <p:ph type="title"/>
+          </p:nvPr>
+        </p:nvSpPr>
+        <p:spPr/>
+        <p:txBody>
+          <a:bodyPr>
+            <a:normAutofit/>
+          </a:bodyPr>
+          <a:lstStyle/>
+          <a:p>
+            <a:r>
+              <a:rPr lang="de-DE" sz="2400" dirty="0">
+                <a:solidFill>
+                  <a:srgbClr val="F8F8F8"/>
+                </a:solidFill>
+              </a:rPr>
+              <a:t>Die Produktentwicklung</a:t>
+            </a:r>
+          </a:p>
+        </p:txBody>
+      </p:sp>
+      <p:sp>
+        <p:nvSpPr>
+          <p:cNvPr id="3" name="Inhaltsplatzhalter 2">
+            <a:extLst>
+              <a:ext uri="{FF2B5EF4-FFF2-40B4-BE49-F238E27FC236}">
+                <a16:creationId xmlns:a16="http://schemas.microsoft.com/office/drawing/2014/main" id="{2F336EDA-7A39-4E95-BFE0-D1C33ADDD3A6}"/>
+              </a:ext>
+            </a:extLst>
+          </p:cNvPr>
+          <p:cNvSpPr>
+            <a:spLocks noGrp="1"/>
+          </p:cNvSpPr>
+          <p:nvPr>
+            <p:ph idx="1"/>
+          </p:nvPr>
+        </p:nvSpPr>
+        <p:spPr>
+          <a:xfrm>
+            <a:off x="611560" y="1772816"/>
+            <a:ext cx="8305800" cy="4267200"/>
+          </a:xfrm>
+        </p:spPr>
+        <p:txBody>
+          <a:bodyPr/>
+          <a:lstStyle/>
+          <a:p>
+            <a:pPr marL="0" indent="0">
+              <a:buNone/>
+            </a:pPr>
+            <a:r>
+              <a:rPr lang="de-DE" sz="1800" dirty="0">
+                <a:solidFill>
+                  <a:schemeClr val="bg1">
+                    <a:lumMod val="10000"/>
+                  </a:schemeClr>
+                </a:solidFill>
+              </a:rPr>
+              <a:t>Bei dem Produkt für die Firma „Zahnrad Zar GmbH &amp; Co. KG“ handelt es sich um ein auf C# basierendes Programm welches mittels „Windows Visual Studio“ entwickelt wurde und auch ständig weiter entwickelt wird. </a:t>
+            </a:r>
+            <a:endParaRPr lang="de-DE" sz="600" dirty="0">
+              <a:solidFill>
+                <a:schemeClr val="bg1">
+                  <a:lumMod val="10000"/>
+                </a:schemeClr>
+              </a:solidFill>
+            </a:endParaRPr>
+          </a:p>
+          <a:p>
+            <a:pPr marL="0" indent="0">
+              <a:buNone/>
+            </a:pPr>
+            <a:endParaRPr lang="de-DE" sz="600" dirty="0">
+              <a:solidFill>
+                <a:schemeClr val="bg1">
+                  <a:lumMod val="10000"/>
+                </a:schemeClr>
+              </a:solidFill>
+            </a:endParaRPr>
+          </a:p>
+          <a:p>
+            <a:pPr marL="0" indent="0">
+              <a:buNone/>
+            </a:pPr>
+            <a:endParaRPr lang="de-DE" sz="1800" dirty="0">
+              <a:solidFill>
+                <a:schemeClr val="bg1">
+                  <a:lumMod val="10000"/>
+                </a:schemeClr>
+              </a:solidFill>
+            </a:endParaRPr>
+          </a:p>
+          <a:p>
+            <a:pPr>
+              <a:buAutoNum type="arabicPeriod"/>
+            </a:pPr>
+            <a:r>
+              <a:rPr lang="de-DE" sz="1800" dirty="0">
+                <a:solidFill>
+                  <a:schemeClr val="bg1">
+                    <a:lumMod val="10000"/>
+                  </a:schemeClr>
+                </a:solidFill>
+              </a:rPr>
+              <a:t>Sprint                                 </a:t>
+            </a:r>
+            <a:r>
+              <a:rPr lang="de-DE" sz="1800" dirty="0">
+                <a:solidFill>
+                  <a:srgbClr val="001D2E"/>
+                </a:solidFill>
+                <a:effectLst/>
+                <a:latin typeface="Arial" panose="020B0604020202020204" pitchFamily="34" charset="0"/>
+                <a:ea typeface="+mn-ea"/>
+                <a:cs typeface="+mn-cs"/>
+              </a:rPr>
+              <a:t>„Programmiersprache“ </a:t>
+            </a:r>
+            <a:r>
+              <a:rPr lang="de-DE" sz="1000" dirty="0">
+                <a:solidFill>
+                  <a:srgbClr val="001D2E"/>
+                </a:solidFill>
+                <a:effectLst/>
+                <a:latin typeface="Arial" panose="020B0604020202020204" pitchFamily="34" charset="0"/>
+                <a:ea typeface="+mn-ea"/>
+                <a:cs typeface="+mn-cs"/>
+              </a:rPr>
+              <a:t>(Einfache Berechnung der Zahnradparameter)</a:t>
+            </a:r>
+            <a:endParaRPr lang="de-DE" sz="1800" dirty="0">
+              <a:solidFill>
+                <a:srgbClr val="001D2E"/>
+              </a:solidFill>
+              <a:effectLst/>
+              <a:latin typeface="Arial" panose="020B0604020202020204" pitchFamily="34" charset="0"/>
+              <a:ea typeface="+mn-ea"/>
+              <a:cs typeface="+mn-cs"/>
+            </a:endParaRPr>
+          </a:p>
+          <a:p>
+            <a:pPr>
+              <a:buAutoNum type="arabicPeriod"/>
+            </a:pPr>
+            <a:endParaRPr lang="de-DE" sz="1800" dirty="0">
+              <a:solidFill>
+                <a:srgbClr val="001D2E"/>
+              </a:solidFill>
+              <a:latin typeface="Arial" panose="020B0604020202020204" pitchFamily="34" charset="0"/>
+            </a:endParaRPr>
+          </a:p>
+          <a:p>
+            <a:pPr>
+              <a:buAutoNum type="arabicPeriod"/>
+            </a:pPr>
+            <a:endParaRPr lang="de-DE" sz="1800" dirty="0">
+              <a:solidFill>
+                <a:srgbClr val="001D2E"/>
+              </a:solidFill>
+              <a:effectLst/>
+              <a:latin typeface="Arial" panose="020B0604020202020204" pitchFamily="34" charset="0"/>
+              <a:ea typeface="+mn-ea"/>
+              <a:cs typeface="+mn-cs"/>
+            </a:endParaRPr>
+          </a:p>
+          <a:p>
+            <a:pPr>
+              <a:buAutoNum type="arabicPeriod"/>
+            </a:pPr>
+            <a:r>
+              <a:rPr lang="de-DE" sz="1800" dirty="0">
+                <a:solidFill>
+                  <a:srgbClr val="001D2E"/>
+                </a:solidFill>
+                <a:latin typeface="Arial" panose="020B0604020202020204" pitchFamily="34" charset="0"/>
+              </a:rPr>
+              <a:t>Sprint                                  </a:t>
+            </a:r>
+            <a:r>
+              <a:rPr lang="de-DE" sz="1800" dirty="0">
+                <a:solidFill>
+                  <a:srgbClr val="001D2E"/>
+                </a:solidFill>
+                <a:effectLst/>
+                <a:latin typeface="Arial" panose="020B0604020202020204" pitchFamily="34" charset="0"/>
+                <a:ea typeface="+mn-ea"/>
+                <a:cs typeface="+mn-cs"/>
+              </a:rPr>
+              <a:t>„Windows Präsentation Framework“ (WPF)</a:t>
+            </a:r>
+          </a:p>
+          <a:p>
+            <a:pPr marL="0" indent="0">
+              <a:buNone/>
+            </a:pPr>
+            <a:r>
+              <a:rPr lang="de-DE" sz="1000" dirty="0">
+                <a:solidFill>
+                  <a:srgbClr val="001D2E"/>
+                </a:solidFill>
+                <a:effectLst/>
+                <a:latin typeface="Arial" panose="020B0604020202020204" pitchFamily="34" charset="0"/>
+                <a:ea typeface="+mn-ea"/>
+                <a:cs typeface="+mn-cs"/>
+              </a:rPr>
+              <a:t>                                                                                     (Erstellung einer Grafischen Benutzeroberfläche zur Eingabe und Ausgabe der Parameter)</a:t>
+            </a:r>
+            <a:endParaRPr lang="de-DE" sz="1800" dirty="0">
+              <a:solidFill>
+                <a:srgbClr val="001D2E"/>
+              </a:solidFill>
+              <a:effectLst/>
+              <a:latin typeface="Arial" panose="020B0604020202020204" pitchFamily="34" charset="0"/>
+              <a:ea typeface="+mn-ea"/>
+              <a:cs typeface="+mn-cs"/>
+            </a:endParaRPr>
+          </a:p>
+          <a:p>
+            <a:pPr>
+              <a:buAutoNum type="arabicPeriod"/>
+            </a:pPr>
+            <a:endParaRPr lang="de-DE" sz="1800" dirty="0">
+              <a:solidFill>
+                <a:srgbClr val="001D2E"/>
+              </a:solidFill>
+              <a:latin typeface="Arial" panose="020B0604020202020204" pitchFamily="34" charset="0"/>
+            </a:endParaRPr>
+          </a:p>
+          <a:p>
+            <a:pPr>
+              <a:buAutoNum type="arabicPeriod"/>
+            </a:pPr>
+            <a:endParaRPr lang="de-DE" sz="1800" dirty="0">
+              <a:solidFill>
+                <a:srgbClr val="001D2E"/>
+              </a:solidFill>
+              <a:latin typeface="Arial" panose="020B0604020202020204" pitchFamily="34" charset="0"/>
+            </a:endParaRPr>
+          </a:p>
+          <a:p>
+            <a:pPr>
+              <a:buAutoNum type="arabicPeriod"/>
+            </a:pPr>
+            <a:r>
+              <a:rPr lang="de-DE" sz="1800" dirty="0">
+                <a:solidFill>
+                  <a:srgbClr val="001D2E"/>
+                </a:solidFill>
+                <a:latin typeface="Arial" panose="020B0604020202020204" pitchFamily="34" charset="0"/>
+              </a:rPr>
+              <a:t>Sprint                                   „Catia Schnittstelle erzeugen“ (API)</a:t>
+            </a:r>
+            <a:endParaRPr lang="de-DE" sz="1000" dirty="0">
+              <a:solidFill>
+                <a:srgbClr val="001D2E"/>
+              </a:solidFill>
+              <a:latin typeface="Arial" panose="020B0604020202020204" pitchFamily="34" charset="0"/>
+            </a:endParaRPr>
+          </a:p>
+          <a:p>
+            <a:pPr marL="0" indent="0">
+              <a:buNone/>
+            </a:pPr>
+            <a:r>
+              <a:rPr lang="de-DE" sz="1000" dirty="0">
+                <a:solidFill>
+                  <a:srgbClr val="001D2E"/>
+                </a:solidFill>
+                <a:latin typeface="Arial" panose="020B0604020202020204" pitchFamily="34" charset="0"/>
+              </a:rPr>
+              <a:t>                                                                                         (Erstellung einer Schnittstelle zum CAD Programm zum erzeugen eines Zahnrades)</a:t>
+            </a:r>
+            <a:endParaRPr lang="de-DE" sz="1800" dirty="0">
+              <a:solidFill>
+                <a:schemeClr val="bg1">
+                  <a:lumMod val="10000"/>
+                </a:schemeClr>
+              </a:solidFill>
+            </a:endParaRPr>
+          </a:p>
+        </p:txBody>
+      </p:sp>
+      <p:sp>
+        <p:nvSpPr>
+          <p:cNvPr id="7" name="Pfeil: nach rechts 6">
+            <a:extLst>
+              <a:ext uri="{FF2B5EF4-FFF2-40B4-BE49-F238E27FC236}">
+                <a16:creationId xmlns:a16="http://schemas.microsoft.com/office/drawing/2014/main" id="{F30901A9-C697-4D03-BFB4-35D6B57A5944}"/>
+              </a:ext>
+            </a:extLst>
+          </p:cNvPr>
+          <p:cNvSpPr/>
+          <p:nvPr/>
+        </p:nvSpPr>
+        <p:spPr bwMode="auto">
+          <a:xfrm>
+            <a:off x="2004819" y="3161590"/>
+            <a:ext cx="1296144" cy="216024"/>
+          </a:xfrm>
+          <a:prstGeom prst="rightArrow">
+            <a:avLst/>
+          </a:prstGeom>
+          <a:solidFill>
+            <a:schemeClr val="accent1"/>
+          </a:solidFill>
+          <a:ln w="9525" cap="flat" cmpd="sng" algn="ctr">
+            <a:solidFill>
+              <a:schemeClr val="tx1"/>
+            </a:solidFill>
+            <a:prstDash val="solid"/>
+            <a:round/>
+            <a:headEnd type="none" w="med" len="med"/>
+            <a:tailEnd type="none" w="med" len="med"/>
+          </a:ln>
+          <a:effectLst/>
+        </p:spPr>
+        <p:txBody>
+          <a:bodyPr vert="horz" wrap="square" lIns="91440" tIns="45720" rIns="91440" bIns="45720" numCol="1" rtlCol="0" anchor="t" anchorCtr="0" compatLnSpc="1">
+            <a:prstTxWarp prst="textNoShape">
+              <a:avLst/>
+            </a:prstTxWarp>
+          </a:bodyPr>
+          <a:lstStyle/>
+          <a:p>
+            <a:pPr marL="0" marR="0" indent="0" algn="l" defTabSz="914400" rtl="0" eaLnBrk="0" fontAlgn="base" latinLnBrk="0" hangingPunct="0">
+              <a:lnSpc>
+                <a:spcPct val="100000"/>
+              </a:lnSpc>
+              <a:spcBef>
+                <a:spcPct val="0"/>
+              </a:spcBef>
+              <a:spcAft>
+                <a:spcPct val="0"/>
+              </a:spcAft>
+              <a:buClrTx/>
+              <a:buSzTx/>
+              <a:buFontTx/>
+              <a:buNone/>
+              <a:tabLst/>
+            </a:pPr>
+            <a:endParaRPr kumimoji="0" lang="de-DE" sz="1800" b="0" i="0" u="none" strike="noStrike" cap="none" normalizeH="0" baseline="0">
+              <a:ln>
+                <a:noFill/>
+              </a:ln>
+              <a:solidFill>
+                <a:schemeClr val="tx1"/>
+              </a:solidFill>
+              <a:effectLst/>
+              <a:latin typeface="Arial" charset="0"/>
+            </a:endParaRPr>
+          </a:p>
+        </p:txBody>
+      </p:sp>
+      <p:pic>
+        <p:nvPicPr>
+          <p:cNvPr id="8" name="Grafik 7">
+            <a:extLst>
+              <a:ext uri="{FF2B5EF4-FFF2-40B4-BE49-F238E27FC236}">
+                <a16:creationId xmlns:a16="http://schemas.microsoft.com/office/drawing/2014/main" id="{E7A523E9-1005-4EBF-8BA5-021C39A89229}"/>
+              </a:ext>
+            </a:extLst>
+          </p:cNvPr>
+          <p:cNvPicPr>
+            <a:picLocks noChangeAspect="1"/>
+          </p:cNvPicPr>
+          <p:nvPr/>
+        </p:nvPicPr>
+        <p:blipFill>
+          <a:blip r:embed="rId2"/>
+          <a:stretch>
+            <a:fillRect/>
+          </a:stretch>
+        </p:blipFill>
+        <p:spPr>
+          <a:xfrm>
+            <a:off x="1990209" y="4149080"/>
+            <a:ext cx="1310754" cy="249958"/>
+          </a:xfrm>
+          <a:prstGeom prst="rect">
+            <a:avLst/>
+          </a:prstGeom>
+        </p:spPr>
+      </p:pic>
+      <p:pic>
+        <p:nvPicPr>
+          <p:cNvPr id="9" name="Grafik 8">
+            <a:extLst>
+              <a:ext uri="{FF2B5EF4-FFF2-40B4-BE49-F238E27FC236}">
+                <a16:creationId xmlns:a16="http://schemas.microsoft.com/office/drawing/2014/main" id="{F70A61C2-452D-4F0B-865A-B4917C969C8A}"/>
+              </a:ext>
+            </a:extLst>
+          </p:cNvPr>
+          <p:cNvPicPr>
+            <a:picLocks noChangeAspect="1"/>
+          </p:cNvPicPr>
+          <p:nvPr/>
+        </p:nvPicPr>
+        <p:blipFill>
+          <a:blip r:embed="rId2"/>
+          <a:stretch>
+            <a:fillRect/>
+          </a:stretch>
+        </p:blipFill>
+        <p:spPr>
+          <a:xfrm>
+            <a:off x="1990209" y="5301208"/>
+            <a:ext cx="1310754" cy="249958"/>
+          </a:xfrm>
+          <a:prstGeom prst="rect">
+            <a:avLst/>
+          </a:prstGeom>
+        </p:spPr>
+      </p:pic>
+    </p:spTree>
+    <p:extLst>
+      <p:ext uri="{BB962C8B-B14F-4D97-AF65-F5344CB8AC3E}">
+        <p14:creationId xmlns:p14="http://schemas.microsoft.com/office/powerpoint/2010/main" val="1127700186"/>
+      </p:ext>
+    </p:extLst>
+  </p:cSld>
+  <p:clrMapOvr>
+    <a:masterClrMapping/>
+  </p:clrMapOvr>
+</p:sld>
+</file>
+
+<file path=ppt/slides/slide4.xml><?xml version="1.0" encoding="utf-8"?>
+<p:sld xmlns:a="http://schemas.openxmlformats.org/drawingml/2006/main" xmlns:r="http://schemas.openxmlformats.org/officeDocument/2006/relationships" xmlns:p="http://schemas.openxmlformats.org/presentationml/2006/main">
+  <p:cSld>
+    <p:spTree>
+      <p:nvGrpSpPr>
+        <p:cNvPr id="1" name=""/>
+        <p:cNvGrpSpPr/>
+        <p:nvPr/>
+      </p:nvGrpSpPr>
+      <p:grpSpPr>
+        <a:xfrm>
+          <a:off x="0" y="0"/>
+          <a:ext cx="0" cy="0"/>
+          <a:chOff x="0" y="0"/>
+          <a:chExt cx="0" cy="0"/>
+        </a:xfrm>
+      </p:grpSpPr>
+      <p:sp>
+        <p:nvSpPr>
           <p:cNvPr id="2" name="Title 1"/>
           <p:cNvSpPr>
             <a:spLocks noGrp="1"/>
@@ -4352,7 +4962,7 @@
                   <a:srgbClr val="F8F8F8"/>
                 </a:solidFill>
               </a:rPr>
-              <a:t>Unternehmenszielsetzung</a:t>
+              <a:t>Unternehmenszielsetzung Sprint 3</a:t>
             </a:r>
           </a:p>
         </p:txBody>
@@ -4370,7 +4980,7 @@
         <p:spPr>
           <a:xfrm>
             <a:off x="827035" y="2060848"/>
-            <a:ext cx="8305800" cy="4267200"/>
+            <a:ext cx="8305800" cy="4416152"/>
           </a:xfrm>
         </p:spPr>
         <p:txBody>
@@ -4402,9 +5012,6 @@
             </a:endParaRPr>
           </a:p>
           <a:p>
-            <a:pPr marL="0" indent="0">
-              <a:buNone/>
-            </a:pPr>
             <a:r>
               <a:rPr lang="de-DE" sz="1600" dirty="0">
                 <a:solidFill>
@@ -4413,24 +5020,172 @@
                   </a:schemeClr>
                 </a:solidFill>
               </a:rPr>
-              <a:t>-</a:t>
-            </a:r>
-            <a:r>
-              <a:rPr lang="de-DE" sz="1800" dirty="0">
+              <a:t>Ziel des fertigen Programmes ist es über die Grafische Benutzeroberfläche (GUI) sein zu erzeugendes Zahnrad zu erstellen. Dies passiert in Abhängigkeit der eingegebenen Parameter wie : </a:t>
+            </a:r>
+            <a:r>
+              <a:rPr lang="de-DE" sz="1600" i="1" dirty="0">
+                <a:solidFill>
+                  <a:srgbClr val="003399"/>
+                </a:solidFill>
+              </a:rPr>
+              <a:t>Modul/Zähnezahl/Schrägungswinkel/Breite</a:t>
+            </a:r>
+            <a:r>
+              <a:rPr lang="de-DE" sz="1600" dirty="0">
+                <a:solidFill>
+                  <a:srgbClr val="003399"/>
+                </a:solidFill>
+              </a:rPr>
+              <a:t>.</a:t>
+            </a:r>
+          </a:p>
+          <a:p>
+            <a:r>
+              <a:rPr lang="de-DE" sz="1600" dirty="0">
                 <a:solidFill>
                   <a:schemeClr val="bg1">
                     <a:lumMod val="10000"/>
                   </a:schemeClr>
                 </a:solidFill>
               </a:rPr>
-              <a:t>Da wir uns vorerst auf den Berechnungen aus „Sprint 1“ beruhen, haben wir zunächst nur 2 Zahnradtypen zur Auswahl.</a:t>
+              <a:t>Anschließend wird eine Schnittstelle zu Catia geöffnet und eine Skizze erstellt.</a:t>
+            </a:r>
+          </a:p>
+          <a:p>
+            <a:r>
+              <a:rPr lang="de-DE" sz="1600" dirty="0">
+                <a:solidFill>
+                  <a:schemeClr val="bg1">
+                    <a:lumMod val="10000"/>
+                  </a:schemeClr>
+                </a:solidFill>
+              </a:rPr>
+              <a:t>Die Skizze ist abhängig von den Mathematischen Parametern :</a:t>
+            </a:r>
+            <a:r>
+              <a:rPr lang="de-DE" sz="1600" i="1" dirty="0">
+                <a:solidFill>
+                  <a:srgbClr val="003399"/>
+                </a:solidFill>
+              </a:rPr>
+              <a:t>Punkte in Skizze </a:t>
+            </a:r>
+            <a:r>
+              <a:rPr lang="de-DE" sz="1600" i="1" dirty="0">
+                <a:solidFill>
+                  <a:schemeClr val="bg1">
+                    <a:lumMod val="10000"/>
+                  </a:schemeClr>
+                </a:solidFill>
+              </a:rPr>
+              <a:t>sowie</a:t>
+            </a:r>
+            <a:r>
+              <a:rPr lang="de-DE" sz="1600" i="1" dirty="0">
+                <a:solidFill>
+                  <a:srgbClr val="003399"/>
+                </a:solidFill>
+              </a:rPr>
+              <a:t> Schnittpunkte der Kreise.</a:t>
+            </a:r>
+          </a:p>
+          <a:p>
+            <a:r>
+              <a:rPr lang="de-DE" sz="1600" i="1" dirty="0">
+                <a:solidFill>
+                  <a:schemeClr val="bg1">
+                    <a:lumMod val="10000"/>
+                  </a:schemeClr>
+                </a:solidFill>
+              </a:rPr>
+              <a:t>Sind alle erforderlichen Punkte in der Skizze gesetzt erzeugt das Programm zu verbindende </a:t>
+            </a:r>
+            <a:r>
+              <a:rPr lang="de-DE" sz="1600" i="1" dirty="0">
+                <a:solidFill>
+                  <a:srgbClr val="003399"/>
+                </a:solidFill>
+              </a:rPr>
+              <a:t>Linien</a:t>
+            </a:r>
+            <a:r>
+              <a:rPr lang="de-DE" sz="1600" i="1" dirty="0">
+                <a:solidFill>
+                  <a:schemeClr val="bg1">
+                    <a:lumMod val="10000"/>
+                  </a:schemeClr>
+                </a:solidFill>
+              </a:rPr>
+              <a:t> sowie </a:t>
+            </a:r>
+            <a:r>
+              <a:rPr lang="de-DE" sz="1600" i="1" dirty="0">
+                <a:solidFill>
+                  <a:srgbClr val="003399"/>
+                </a:solidFill>
+              </a:rPr>
+              <a:t>Kreise </a:t>
+            </a:r>
+            <a:r>
+              <a:rPr lang="de-DE" sz="1600" i="1" dirty="0">
+                <a:solidFill>
+                  <a:schemeClr val="bg1">
+                    <a:lumMod val="10000"/>
+                  </a:schemeClr>
+                </a:solidFill>
+              </a:rPr>
+              <a:t>der Punkte</a:t>
+            </a:r>
+            <a:r>
+              <a:rPr lang="de-DE" sz="1600" i="1" dirty="0">
+                <a:solidFill>
+                  <a:srgbClr val="003399"/>
+                </a:solidFill>
+              </a:rPr>
+              <a:t>.</a:t>
+            </a:r>
+          </a:p>
+          <a:p>
+            <a:r>
+              <a:rPr lang="de-DE" sz="1600" i="1" dirty="0">
+                <a:solidFill>
+                  <a:schemeClr val="bg1">
+                    <a:lumMod val="10000"/>
+                  </a:schemeClr>
+                </a:solidFill>
+              </a:rPr>
+              <a:t>Anschließend wird über den vorgegebenen Code ein Kreismuster erstellt in Abhängigkeit aller Parameter und die Kontur geschlossen.</a:t>
+            </a:r>
+          </a:p>
+          <a:p>
+            <a:r>
+              <a:rPr lang="de-DE" sz="1600" i="1" dirty="0">
+                <a:solidFill>
+                  <a:schemeClr val="bg1">
+                    <a:lumMod val="10000"/>
+                  </a:schemeClr>
+                </a:solidFill>
+              </a:rPr>
+              <a:t>Nun wird nur noch ein Block erzeugt in der erforderlichen Breite.</a:t>
+            </a:r>
+          </a:p>
+          <a:p>
+            <a:r>
+              <a:rPr lang="de-DE" sz="1600" i="1" dirty="0">
+                <a:solidFill>
+                  <a:schemeClr val="bg1">
+                    <a:lumMod val="10000"/>
+                  </a:schemeClr>
+                </a:solidFill>
+              </a:rPr>
+              <a:t>Für die „Schrägverzahnung“ Ist es erforderlich für eine Normgerechte Verzahnung eine Helix zu erstellen.</a:t>
             </a:r>
           </a:p>
           <a:p>
             <a:pPr marL="0" indent="0">
               <a:buNone/>
             </a:pPr>
-            <a:endParaRPr lang="de-DE" sz="1800" dirty="0">
+            <a:endParaRPr lang="de-DE" sz="1600" dirty="0">
               <a:solidFill>
                 <a:schemeClr val="bg1">
                   <a:lumMod val="10000"/>
@@ -4438,71 +5193,8 @@
               </a:solidFill>
             </a:endParaRPr>
           </a:p>
-          <a:p>
-            <a:pPr marL="0" indent="0">
-              <a:buNone/>
-            </a:pPr>
-            <a:r>
-              <a:rPr lang="de-DE" sz="1800" dirty="0">
-                <a:solidFill>
-                  <a:schemeClr val="bg1">
-                    <a:lumMod val="10000"/>
-                  </a:schemeClr>
-                </a:solidFill>
-              </a:rPr>
-              <a:t>-Verbesserung und Wünsche besprechen und anschließend Umsetzen.</a:t>
-            </a:r>
-          </a:p>
-          <a:p>
-            <a:pPr marL="0" indent="0">
-              <a:buNone/>
-            </a:pPr>
-            <a:endParaRPr lang="de-DE" sz="2000" dirty="0">
-              <a:solidFill>
-                <a:schemeClr val="bg1">
-                  <a:lumMod val="10000"/>
-                </a:schemeClr>
-              </a:solidFill>
-            </a:endParaRPr>
-          </a:p>
         </p:txBody>
       </p:sp>
-      <p:pic>
-        <p:nvPicPr>
-          <p:cNvPr id="5" name="Grafik 4">
-            <a:extLst>
-              <a:ext uri="{FF2B5EF4-FFF2-40B4-BE49-F238E27FC236}">
-                <a16:creationId xmlns:a16="http://schemas.microsoft.com/office/drawing/2014/main" id="{0837935B-D183-433D-B076-29F342AD9E00}"/>
-              </a:ext>
-            </a:extLst>
-          </p:cNvPr>
-          <p:cNvPicPr>
-            <a:picLocks noChangeAspect="1"/>
-          </p:cNvPicPr>
-          <p:nvPr/>
-        </p:nvPicPr>
-        <p:blipFill>
-          <a:blip r:embed="rId2" cstate="print">
-            <a:extLst>
-              <a:ext uri="{28A0092B-C50C-407E-A947-70E740481C1C}">
-                <a14:useLocalDpi xmlns:a14="http://schemas.microsoft.com/office/drawing/2010/main" val="0"/>
-              </a:ext>
-            </a:extLst>
-          </a:blip>
-          <a:stretch>
-            <a:fillRect/>
-          </a:stretch>
-        </p:blipFill>
-        <p:spPr>
-          <a:xfrm>
-            <a:off x="1259632" y="4719746"/>
-            <a:ext cx="7200800" cy="1730766"/>
-          </a:xfrm>
-          <a:prstGeom prst="rect">
-            <a:avLst/>
-          </a:prstGeom>
-        </p:spPr>
-      </p:pic>
     </p:spTree>
   </p:cSld>
   <p:clrMapOvr>
@@ -4511,7 +5203,7 @@
 </p:sld>
 </file>
 
-<file path=ppt/slides/slide4.xml><?xml version="1.0" encoding="utf-8"?>
+<file path=ppt/slides/slide5.xml><?xml version="1.0" encoding="utf-8"?>
 <p:sld xmlns:a="http://schemas.openxmlformats.org/drawingml/2006/main" xmlns:r="http://schemas.openxmlformats.org/officeDocument/2006/relationships" xmlns:p="http://schemas.openxmlformats.org/presentationml/2006/main">
   <p:cSld>
     <p:spTree>
@@ -4869,7 +5561,7 @@
 </p:sld>
 </file>
 
-<file path=ppt/slides/slide5.xml><?xml version="1.0" encoding="utf-8"?>
+<file path=ppt/slides/slide6.xml><?xml version="1.0" encoding="utf-8"?>
 <p:sld xmlns:a="http://schemas.openxmlformats.org/drawingml/2006/main" xmlns:r="http://schemas.openxmlformats.org/officeDocument/2006/relationships" xmlns:p="http://schemas.openxmlformats.org/presentationml/2006/main">
   <p:cSld>
     <p:spTree>
@@ -4891,7 +5583,7 @@
           <p:cNvPr id="2" name="Titel 1">
             <a:extLst>
               <a:ext uri="{FF2B5EF4-FFF2-40B4-BE49-F238E27FC236}">
-                <a16:creationId xmlns:a16="http://schemas.microsoft.com/office/drawing/2014/main" id="{BE62BAB1-4727-41BD-8FF0-5DA9E4AA5F25}"/>
+                <a16:creationId xmlns:a16="http://schemas.microsoft.com/office/drawing/2014/main" id="{C6948DFB-3AD7-4D3D-820C-C472AAEDEBC3}"/>
               </a:ext>
             </a:extLst>
           </p:cNvPr>
@@ -4910,12 +5602,388 @@
           <a:lstStyle/>
           <a:p>
             <a:r>
-              <a:rPr lang="de-DE" sz="2400" dirty="0">
+              <a:rPr lang="de-DE" sz="2000" dirty="0">
                 <a:solidFill>
                   <a:srgbClr val="F8F8F8"/>
                 </a:solidFill>
               </a:rPr>
-              <a:t>Das Produkt</a:t>
+              <a:t>Besondere Herausforderungen im Team</a:t>
+            </a:r>
+          </a:p>
+        </p:txBody>
+      </p:sp>
+      <p:pic>
+        <p:nvPicPr>
+          <p:cNvPr id="5" name="Inhaltsplatzhalter 4">
+            <a:extLst>
+              <a:ext uri="{FF2B5EF4-FFF2-40B4-BE49-F238E27FC236}">
+                <a16:creationId xmlns:a16="http://schemas.microsoft.com/office/drawing/2014/main" id="{593CA17C-0D20-4D97-8E64-215FC7847824}"/>
+              </a:ext>
+            </a:extLst>
+          </p:cNvPr>
+          <p:cNvPicPr>
+            <a:picLocks noGrp="1" noChangeAspect="1"/>
+          </p:cNvPicPr>
+          <p:nvPr>
+            <p:ph idx="1"/>
+          </p:nvPr>
+        </p:nvPicPr>
+        <p:blipFill>
+          <a:blip r:embed="rId2" cstate="print">
+            <a:extLst>
+              <a:ext uri="{28A0092B-C50C-407E-A947-70E740481C1C}">
+                <a14:useLocalDpi xmlns:a14="http://schemas.microsoft.com/office/drawing/2010/main" val="0"/>
+              </a:ext>
+            </a:extLst>
+          </a:blip>
+          <a:stretch>
+            <a:fillRect/>
+          </a:stretch>
+        </p:blipFill>
+        <p:spPr>
+          <a:xfrm>
+            <a:off x="4788024" y="3356992"/>
+            <a:ext cx="3338621" cy="1284085"/>
+          </a:xfrm>
+        </p:spPr>
+      </p:pic>
+      <p:sp>
+        <p:nvSpPr>
+          <p:cNvPr id="6" name="Textfeld 5">
+            <a:extLst>
+              <a:ext uri="{FF2B5EF4-FFF2-40B4-BE49-F238E27FC236}">
+                <a16:creationId xmlns:a16="http://schemas.microsoft.com/office/drawing/2014/main" id="{3542E4A0-706F-462E-B926-FBF589D9A451}"/>
+              </a:ext>
+            </a:extLst>
+          </p:cNvPr>
+          <p:cNvSpPr txBox="1"/>
+          <p:nvPr/>
+        </p:nvSpPr>
+        <p:spPr>
+          <a:xfrm>
+            <a:off x="791580" y="1794681"/>
+            <a:ext cx="7560840" cy="3754874"/>
+          </a:xfrm>
+          <a:prstGeom prst="rect">
+            <a:avLst/>
+          </a:prstGeom>
+          <a:noFill/>
+        </p:spPr>
+        <p:txBody>
+          <a:bodyPr wrap="square" rtlCol="0">
+            <a:spAutoFit/>
+          </a:bodyPr>
+          <a:lstStyle/>
+          <a:p>
+            <a:pPr marL="171450" indent="-171450">
+              <a:buFont typeface="Arial" panose="020B0604020202020204" pitchFamily="34" charset="0"/>
+              <a:buChar char="•"/>
+            </a:pPr>
+            <a:r>
+              <a:rPr lang="de-DE" sz="1400" dirty="0">
+                <a:solidFill>
+                  <a:schemeClr val="bg1">
+                    <a:lumMod val="10000"/>
+                  </a:schemeClr>
+                </a:solidFill>
+              </a:rPr>
+              <a:t>Sprachliche Kommunikation </a:t>
+            </a:r>
+          </a:p>
+          <a:p>
+            <a:pPr marL="171450" indent="-171450">
+              <a:buFont typeface="Arial" panose="020B0604020202020204" pitchFamily="34" charset="0"/>
+              <a:buChar char="•"/>
+            </a:pPr>
+            <a:endParaRPr lang="de-DE" sz="1400" dirty="0">
+              <a:solidFill>
+                <a:schemeClr val="bg1">
+                  <a:lumMod val="10000"/>
+                </a:schemeClr>
+              </a:solidFill>
+            </a:endParaRPr>
+          </a:p>
+          <a:p>
+            <a:pPr marL="171450" indent="-171450">
+              <a:buFont typeface="Arial" panose="020B0604020202020204" pitchFamily="34" charset="0"/>
+              <a:buChar char="•"/>
+            </a:pPr>
+            <a:r>
+              <a:rPr lang="de-DE" sz="1400" dirty="0">
+                <a:solidFill>
+                  <a:schemeClr val="bg1">
+                    <a:lumMod val="10000"/>
+                  </a:schemeClr>
+                </a:solidFill>
+              </a:rPr>
+              <a:t>Organisation innerhalb des Teams </a:t>
+            </a:r>
+          </a:p>
+          <a:p>
+            <a:pPr marL="171450" indent="-171450">
+              <a:buFont typeface="Arial" panose="020B0604020202020204" pitchFamily="34" charset="0"/>
+              <a:buChar char="•"/>
+            </a:pPr>
+            <a:endParaRPr lang="de-DE" sz="1400" dirty="0">
+              <a:solidFill>
+                <a:schemeClr val="bg1">
+                  <a:lumMod val="10000"/>
+                </a:schemeClr>
+              </a:solidFill>
+            </a:endParaRPr>
+          </a:p>
+          <a:p>
+            <a:pPr marL="171450" indent="-171450">
+              <a:buFont typeface="Arial" panose="020B0604020202020204" pitchFamily="34" charset="0"/>
+              <a:buChar char="•"/>
+            </a:pPr>
+            <a:r>
+              <a:rPr lang="de-DE" sz="1400" dirty="0">
+                <a:solidFill>
+                  <a:schemeClr val="bg1">
+                    <a:lumMod val="10000"/>
+                  </a:schemeClr>
+                </a:solidFill>
+              </a:rPr>
+              <a:t>Zeitliche Aufwand für Sprint 3</a:t>
+            </a:r>
+          </a:p>
+          <a:p>
+            <a:pPr marL="171450" indent="-171450">
+              <a:buFont typeface="Arial" panose="020B0604020202020204" pitchFamily="34" charset="0"/>
+              <a:buChar char="•"/>
+            </a:pPr>
+            <a:endParaRPr lang="de-DE" sz="1400" dirty="0">
+              <a:solidFill>
+                <a:schemeClr val="bg1">
+                  <a:lumMod val="10000"/>
+                </a:schemeClr>
+              </a:solidFill>
+            </a:endParaRPr>
+          </a:p>
+          <a:p>
+            <a:pPr marL="171450" indent="-171450">
+              <a:buFont typeface="Arial" panose="020B0604020202020204" pitchFamily="34" charset="0"/>
+              <a:buChar char="•"/>
+            </a:pPr>
+            <a:r>
+              <a:rPr lang="de-DE" sz="1400" dirty="0">
+                <a:solidFill>
+                  <a:schemeClr val="bg1">
+                    <a:lumMod val="10000"/>
+                  </a:schemeClr>
+                </a:solidFill>
+              </a:rPr>
+              <a:t>Problemlösung</a:t>
+            </a:r>
+          </a:p>
+          <a:p>
+            <a:pPr marL="171450" indent="-171450">
+              <a:buFont typeface="Arial" panose="020B0604020202020204" pitchFamily="34" charset="0"/>
+              <a:buChar char="•"/>
+            </a:pPr>
+            <a:endParaRPr lang="de-DE" sz="1400" dirty="0">
+              <a:solidFill>
+                <a:schemeClr val="bg1">
+                  <a:lumMod val="10000"/>
+                </a:schemeClr>
+              </a:solidFill>
+            </a:endParaRPr>
+          </a:p>
+          <a:p>
+            <a:pPr marL="171450" indent="-171450">
+              <a:buFont typeface="Arial" panose="020B0604020202020204" pitchFamily="34" charset="0"/>
+              <a:buChar char="•"/>
+            </a:pPr>
+            <a:r>
+              <a:rPr lang="de-DE" sz="1400" dirty="0">
+                <a:solidFill>
+                  <a:schemeClr val="bg1">
+                    <a:lumMod val="10000"/>
+                  </a:schemeClr>
+                </a:solidFill>
+              </a:rPr>
+              <a:t>Verschiedene Ansätze zur Lösung</a:t>
+            </a:r>
+          </a:p>
+          <a:p>
+            <a:pPr marL="171450" indent="-171450">
+              <a:buFont typeface="Arial" panose="020B0604020202020204" pitchFamily="34" charset="0"/>
+              <a:buChar char="•"/>
+            </a:pPr>
+            <a:endParaRPr lang="de-DE" sz="1400" dirty="0">
+              <a:solidFill>
+                <a:schemeClr val="bg1">
+                  <a:lumMod val="10000"/>
+                </a:schemeClr>
+              </a:solidFill>
+            </a:endParaRPr>
+          </a:p>
+          <a:p>
+            <a:pPr marL="171450" indent="-171450">
+              <a:buFont typeface="Arial" panose="020B0604020202020204" pitchFamily="34" charset="0"/>
+              <a:buChar char="•"/>
+            </a:pPr>
+            <a:r>
+              <a:rPr lang="de-DE" sz="1400" dirty="0">
+                <a:solidFill>
+                  <a:schemeClr val="bg1">
+                    <a:lumMod val="10000"/>
+                  </a:schemeClr>
+                </a:solidFill>
+              </a:rPr>
+              <a:t>Absprache Untereinander</a:t>
+            </a:r>
+          </a:p>
+          <a:p>
+            <a:pPr marL="171450" indent="-171450">
+              <a:buFont typeface="Arial" panose="020B0604020202020204" pitchFamily="34" charset="0"/>
+              <a:buChar char="•"/>
+            </a:pPr>
+            <a:endParaRPr lang="de-DE" sz="1400" dirty="0">
+              <a:solidFill>
+                <a:schemeClr val="bg1">
+                  <a:lumMod val="10000"/>
+                </a:schemeClr>
+              </a:solidFill>
+            </a:endParaRPr>
+          </a:p>
+          <a:p>
+            <a:pPr marL="171450" indent="-171450">
+              <a:buFont typeface="Arial" panose="020B0604020202020204" pitchFamily="34" charset="0"/>
+              <a:buChar char="•"/>
+            </a:pPr>
+            <a:r>
+              <a:rPr lang="de-DE" sz="1400" dirty="0">
+                <a:solidFill>
+                  <a:schemeClr val="bg1">
+                    <a:lumMod val="10000"/>
+                  </a:schemeClr>
+                </a:solidFill>
+              </a:rPr>
+              <a:t>Zielsetzung</a:t>
+            </a:r>
+          </a:p>
+          <a:p>
+            <a:pPr marL="171450" indent="-171450">
+              <a:buFont typeface="Arial" panose="020B0604020202020204" pitchFamily="34" charset="0"/>
+              <a:buChar char="•"/>
+            </a:pPr>
+            <a:endParaRPr lang="de-DE" sz="1400" dirty="0">
+              <a:solidFill>
+                <a:schemeClr val="bg1">
+                  <a:lumMod val="10000"/>
+                </a:schemeClr>
+              </a:solidFill>
+            </a:endParaRPr>
+          </a:p>
+          <a:p>
+            <a:pPr marL="171450" indent="-171450">
+              <a:buFont typeface="Arial" panose="020B0604020202020204" pitchFamily="34" charset="0"/>
+              <a:buChar char="•"/>
+            </a:pPr>
+            <a:r>
+              <a:rPr lang="de-DE" sz="1400" dirty="0">
+                <a:solidFill>
+                  <a:schemeClr val="bg1">
+                    <a:lumMod val="10000"/>
+                  </a:schemeClr>
+                </a:solidFill>
+              </a:rPr>
+              <a:t>Das fertige Endergebnis</a:t>
+            </a:r>
+          </a:p>
+          <a:p>
+            <a:pPr marL="171450" indent="-171450">
+              <a:buFont typeface="Arial" panose="020B0604020202020204" pitchFamily="34" charset="0"/>
+              <a:buChar char="•"/>
+            </a:pPr>
+            <a:endParaRPr lang="de-DE" sz="1400" dirty="0">
+              <a:solidFill>
+                <a:schemeClr val="bg1">
+                  <a:lumMod val="10000"/>
+                </a:schemeClr>
+              </a:solidFill>
+            </a:endParaRPr>
+          </a:p>
+          <a:p>
+            <a:pPr marL="171450" indent="-171450">
+              <a:buFont typeface="Arial" panose="020B0604020202020204" pitchFamily="34" charset="0"/>
+              <a:buChar char="•"/>
+            </a:pPr>
+            <a:r>
+              <a:rPr lang="de-DE" sz="1400" dirty="0">
+                <a:solidFill>
+                  <a:schemeClr val="bg1">
+                    <a:lumMod val="10000"/>
+                  </a:schemeClr>
+                </a:solidFill>
+              </a:rPr>
+              <a:t>Sich nicht entmutigen lassen von der Aufgabe</a:t>
+            </a:r>
+          </a:p>
+        </p:txBody>
+      </p:sp>
+    </p:spTree>
+    <p:extLst>
+      <p:ext uri="{BB962C8B-B14F-4D97-AF65-F5344CB8AC3E}">
+        <p14:creationId xmlns:p14="http://schemas.microsoft.com/office/powerpoint/2010/main" val="3467640804"/>
+      </p:ext>
+    </p:extLst>
+  </p:cSld>
+  <p:clrMapOvr>
+    <a:masterClrMapping/>
+  </p:clrMapOvr>
+</p:sld>
+</file>
+
+<file path=ppt/slides/slide7.xml><?xml version="1.0" encoding="utf-8"?>
+<p:sld xmlns:a="http://schemas.openxmlformats.org/drawingml/2006/main" xmlns:r="http://schemas.openxmlformats.org/officeDocument/2006/relationships" xmlns:p="http://schemas.openxmlformats.org/presentationml/2006/main">
+  <p:cSld>
+    <p:spTree>
+      <p:nvGrpSpPr>
+        <p:cNvPr id="1" name=""/>
+        <p:cNvGrpSpPr/>
+        <p:nvPr/>
+      </p:nvGrpSpPr>
+      <p:grpSpPr>
+        <a:xfrm>
+          <a:off x="0" y="0"/>
+          <a:ext cx="0" cy="0"/>
+          <a:chOff x="0" y="0"/>
+          <a:chExt cx="0" cy="0"/>
+        </a:xfrm>
+      </p:grpSpPr>
+      <p:sp>
+        <p:nvSpPr>
+          <p:cNvPr id="2" name="Titel 1">
+            <a:extLst>
+              <a:ext uri="{FF2B5EF4-FFF2-40B4-BE49-F238E27FC236}">
+                <a16:creationId xmlns:a16="http://schemas.microsoft.com/office/drawing/2014/main" id="{B5E758C8-10EC-47E5-A324-E730FAFFE3C7}"/>
+              </a:ext>
+            </a:extLst>
+          </p:cNvPr>
+          <p:cNvSpPr>
+            <a:spLocks noGrp="1"/>
+          </p:cNvSpPr>
+          <p:nvPr>
+            <p:ph type="title"/>
+          </p:nvPr>
+        </p:nvSpPr>
+        <p:spPr/>
+        <p:txBody>
+          <a:bodyPr>
+            <a:normAutofit/>
+          </a:bodyPr>
+          <a:lstStyle/>
+          <a:p>
+            <a:r>
+              <a:rPr lang="de-DE" sz="2000" dirty="0">
+                <a:solidFill>
+                  <a:srgbClr val="F8F8F8"/>
+                </a:solidFill>
+              </a:rPr>
+              <a:t>Das zu erwartende Produkt</a:t>
             </a:r>
           </a:p>
         </p:txBody>
@@ -4925,7 +5993,7 @@
           <p:cNvPr id="3" name="Inhaltsplatzhalter 2">
             <a:extLst>
               <a:ext uri="{FF2B5EF4-FFF2-40B4-BE49-F238E27FC236}">
-                <a16:creationId xmlns:a16="http://schemas.microsoft.com/office/drawing/2014/main" id="{2F336EDA-7A39-4E95-BFE0-D1C33ADDD3A6}"/>
+                <a16:creationId xmlns:a16="http://schemas.microsoft.com/office/drawing/2014/main" id="{5C40187E-DB44-49C7-96B8-5F7932EF8EEC}"/>
               </a:ext>
             </a:extLst>
           </p:cNvPr>
@@ -4936,294 +6004,100 @@
             <p:ph idx="1"/>
           </p:nvPr>
         </p:nvSpPr>
-        <p:spPr>
-          <a:xfrm>
-            <a:off x="611560" y="1772816"/>
-            <a:ext cx="8305800" cy="4267200"/>
-          </a:xfrm>
-        </p:spPr>
+        <p:spPr/>
         <p:txBody>
           <a:bodyPr/>
           <a:lstStyle/>
           <a:p>
-            <a:pPr marL="0" indent="0">
-              <a:buNone/>
-            </a:pPr>
-            <a:r>
-              <a:rPr lang="de-DE" sz="1800" dirty="0">
+            <a:r>
+              <a:rPr lang="de-DE" sz="1200" dirty="0">
                 <a:solidFill>
                   <a:schemeClr val="bg1">
                     <a:lumMod val="10000"/>
                   </a:schemeClr>
                 </a:solidFill>
               </a:rPr>
-              <a:t>Bei dem Produkt für die Firma „Zahnrad Zar GmbH &amp; Co. KG“ handelt es sich um ein auf C# basierendes Programm welches mittels „Windows Visual Studio“ entwickelt wurde und auch ständig weiter entwickelt wird. </a:t>
-            </a:r>
-            <a:endParaRPr lang="de-DE" sz="600" dirty="0">
-              <a:solidFill>
-                <a:schemeClr val="bg1">
-                  <a:lumMod val="10000"/>
-                </a:schemeClr>
-              </a:solidFill>
-            </a:endParaRPr>
-          </a:p>
-          <a:p>
-            <a:pPr marL="0" indent="0">
-              <a:buNone/>
-            </a:pPr>
-            <a:endParaRPr lang="de-DE" sz="600" dirty="0">
-              <a:solidFill>
-                <a:schemeClr val="bg1">
-                  <a:lumMod val="10000"/>
-                </a:schemeClr>
-              </a:solidFill>
-            </a:endParaRPr>
-          </a:p>
-          <a:p>
-            <a:pPr marL="0" indent="0">
-              <a:buNone/>
-            </a:pPr>
-            <a:endParaRPr lang="de-DE" sz="1800" dirty="0">
-              <a:solidFill>
-                <a:schemeClr val="bg1">
-                  <a:lumMod val="10000"/>
-                </a:schemeClr>
-              </a:solidFill>
-            </a:endParaRPr>
-          </a:p>
-          <a:p>
-            <a:pPr>
-              <a:buAutoNum type="arabicPeriod"/>
-            </a:pPr>
-            <a:r>
-              <a:rPr lang="de-DE" sz="1800" dirty="0">
-                <a:solidFill>
-                  <a:schemeClr val="bg1">
-                    <a:lumMod val="10000"/>
-                  </a:schemeClr>
-                </a:solidFill>
-              </a:rPr>
-              <a:t>Sprint                                 </a:t>
-            </a:r>
-            <a:r>
-              <a:rPr lang="de-DE" sz="1800" dirty="0">
-                <a:solidFill>
-                  <a:srgbClr val="001D2E"/>
-                </a:solidFill>
-                <a:effectLst/>
-                <a:latin typeface="Arial" panose="020B0604020202020204" pitchFamily="34" charset="0"/>
-                <a:ea typeface="+mn-ea"/>
-                <a:cs typeface="+mn-cs"/>
-              </a:rPr>
-              <a:t>„Programmiersprache“ </a:t>
-            </a:r>
-          </a:p>
-          <a:p>
-            <a:pPr>
-              <a:buAutoNum type="arabicPeriod"/>
-            </a:pPr>
-            <a:endParaRPr lang="de-DE" sz="1800" dirty="0">
-              <a:solidFill>
-                <a:srgbClr val="001D2E"/>
-              </a:solidFill>
-              <a:latin typeface="Arial" panose="020B0604020202020204" pitchFamily="34" charset="0"/>
-            </a:endParaRPr>
-          </a:p>
-          <a:p>
-            <a:pPr>
-              <a:buAutoNum type="arabicPeriod"/>
-            </a:pPr>
-            <a:endParaRPr lang="de-DE" sz="1800" dirty="0">
-              <a:solidFill>
-                <a:srgbClr val="001D2E"/>
-              </a:solidFill>
-              <a:effectLst/>
-              <a:latin typeface="Arial" panose="020B0604020202020204" pitchFamily="34" charset="0"/>
-              <a:ea typeface="+mn-ea"/>
-              <a:cs typeface="+mn-cs"/>
-            </a:endParaRPr>
-          </a:p>
-          <a:p>
-            <a:pPr>
-              <a:buAutoNum type="arabicPeriod"/>
-            </a:pPr>
-            <a:r>
-              <a:rPr lang="de-DE" sz="1800" dirty="0">
-                <a:solidFill>
-                  <a:srgbClr val="001D2E"/>
-                </a:solidFill>
-                <a:latin typeface="Arial" panose="020B0604020202020204" pitchFamily="34" charset="0"/>
-              </a:rPr>
-              <a:t>Sprint                                  </a:t>
-            </a:r>
-            <a:r>
-              <a:rPr lang="de-DE" sz="1800" dirty="0">
-                <a:solidFill>
-                  <a:srgbClr val="001D2E"/>
-                </a:solidFill>
-                <a:effectLst/>
-                <a:latin typeface="Arial" panose="020B0604020202020204" pitchFamily="34" charset="0"/>
-                <a:ea typeface="+mn-ea"/>
-                <a:cs typeface="+mn-cs"/>
-              </a:rPr>
-              <a:t>„Windows Präsentation Framework“ (WPF)</a:t>
-            </a:r>
-            <a:endParaRPr lang="de-DE" sz="1800" dirty="0">
-              <a:solidFill>
-                <a:schemeClr val="bg1">
-                  <a:lumMod val="10000"/>
-                </a:schemeClr>
-              </a:solidFill>
-            </a:endParaRPr>
+              <a:t>Über die grafische Benutzeroberfläche wird das Programm mit den Daten gefüllt. Danach wählt man das entsprechende Zahnrad aus und überträgt die Daten an Catia mit der im Programm eingebundenen Catia Schnittstelle.</a:t>
+            </a:r>
           </a:p>
         </p:txBody>
       </p:sp>
-      <p:sp>
-        <p:nvSpPr>
-          <p:cNvPr id="4" name="Ok: Köşeli Çift Ayraç 3">
+      <p:pic>
+        <p:nvPicPr>
+          <p:cNvPr id="5" name="Grafik 4">
             <a:extLst>
               <a:ext uri="{FF2B5EF4-FFF2-40B4-BE49-F238E27FC236}">
-                <a16:creationId xmlns:a16="http://schemas.microsoft.com/office/drawing/2014/main" id="{8E1CE202-4A2E-4AD8-A250-1B5F2BC97D6B}"/>
+                <a16:creationId xmlns:a16="http://schemas.microsoft.com/office/drawing/2014/main" id="{34BCB294-F1C4-4D60-8D7B-EC03FD41286F}"/>
               </a:ext>
             </a:extLst>
           </p:cNvPr>
-          <p:cNvSpPr/>
+          <p:cNvPicPr>
+            <a:picLocks noChangeAspect="1"/>
+          </p:cNvPicPr>
           <p:nvPr/>
-        </p:nvSpPr>
-        <p:spPr bwMode="auto">
+        </p:nvPicPr>
+        <p:blipFill>
+          <a:blip r:embed="rId2">
+            <a:extLst>
+              <a:ext uri="{28A0092B-C50C-407E-A947-70E740481C1C}">
+                <a14:useLocalDpi xmlns:a14="http://schemas.microsoft.com/office/drawing/2010/main" val="0"/>
+              </a:ext>
+            </a:extLst>
+          </a:blip>
+          <a:stretch>
+            <a:fillRect/>
+          </a:stretch>
+        </p:blipFill>
+        <p:spPr>
           <a:xfrm>
-            <a:off x="1979712" y="3212976"/>
-            <a:ext cx="1224136" cy="144016"/>
+            <a:off x="609600" y="2708920"/>
+            <a:ext cx="4108496" cy="3019568"/>
           </a:xfrm>
-          <a:prstGeom prst="chevron">
+          <a:prstGeom prst="rect">
             <a:avLst/>
           </a:prstGeom>
-          <a:solidFill>
-            <a:schemeClr val="accent1"/>
-          </a:solidFill>
-          <a:ln w="9525" cap="flat" cmpd="sng" algn="ctr">
-            <a:solidFill>
-              <a:schemeClr val="tx1"/>
-            </a:solidFill>
-            <a:prstDash val="solid"/>
-            <a:round/>
-            <a:headEnd type="none" w="med" len="med"/>
-            <a:tailEnd type="none" w="med" len="med"/>
-          </a:ln>
-          <a:effectLst/>
         </p:spPr>
-        <p:txBody>
-          <a:bodyPr vert="horz" wrap="square" lIns="91440" tIns="45720" rIns="91440" bIns="45720" numCol="1" rtlCol="0" anchor="t" anchorCtr="0" compatLnSpc="1">
-            <a:prstTxWarp prst="textNoShape">
-              <a:avLst/>
-            </a:prstTxWarp>
-          </a:bodyPr>
-          <a:lstStyle/>
-          <a:p>
-            <a:pPr marL="0" marR="0" indent="0" algn="l" defTabSz="914400" rtl="0" eaLnBrk="0" fontAlgn="base" latinLnBrk="0" hangingPunct="0">
-              <a:lnSpc>
-                <a:spcPct val="100000"/>
-              </a:lnSpc>
-              <a:spcBef>
-                <a:spcPct val="0"/>
-              </a:spcBef>
-              <a:spcAft>
-                <a:spcPct val="0"/>
-              </a:spcAft>
-              <a:buClrTx/>
-              <a:buSzTx/>
-              <a:buFontTx/>
-              <a:buNone/>
-              <a:tabLst/>
-            </a:pPr>
-            <a:endParaRPr kumimoji="0" lang="de-DE" sz="1800" b="0" i="0" u="none" strike="noStrike" cap="none" normalizeH="0" baseline="0">
-              <a:ln>
-                <a:noFill/>
-              </a:ln>
-              <a:solidFill>
-                <a:schemeClr val="tx1"/>
-              </a:solidFill>
-              <a:effectLst/>
-              <a:latin typeface="Arial" charset="0"/>
-            </a:endParaRPr>
-          </a:p>
-        </p:txBody>
-      </p:sp>
-      <p:sp>
-        <p:nvSpPr>
-          <p:cNvPr id="5" name="Ok: Köşeli Çift Ayraç 4">
+      </p:pic>
+      <p:pic>
+        <p:nvPicPr>
+          <p:cNvPr id="7" name="Grafik 6">
             <a:extLst>
               <a:ext uri="{FF2B5EF4-FFF2-40B4-BE49-F238E27FC236}">
-                <a16:creationId xmlns:a16="http://schemas.microsoft.com/office/drawing/2014/main" id="{6293B40F-46F1-4EFD-AECF-9E4A98659A0F}"/>
+                <a16:creationId xmlns:a16="http://schemas.microsoft.com/office/drawing/2014/main" id="{5F5BCF7C-3370-4C92-856E-5D9B551E1F2E}"/>
               </a:ext>
             </a:extLst>
           </p:cNvPr>
-          <p:cNvSpPr/>
+          <p:cNvPicPr>
+            <a:picLocks noChangeAspect="1"/>
+          </p:cNvPicPr>
           <p:nvPr/>
-        </p:nvSpPr>
-        <p:spPr bwMode="auto">
+        </p:nvPicPr>
+        <p:blipFill>
+          <a:blip r:embed="rId3" cstate="print">
+            <a:extLst>
+              <a:ext uri="{28A0092B-C50C-407E-A947-70E740481C1C}">
+                <a14:useLocalDpi xmlns:a14="http://schemas.microsoft.com/office/drawing/2010/main" val="0"/>
+              </a:ext>
+            </a:extLst>
+          </a:blip>
+          <a:stretch>
+            <a:fillRect/>
+          </a:stretch>
+        </p:blipFill>
+        <p:spPr>
           <a:xfrm>
-            <a:off x="1979712" y="4221088"/>
-            <a:ext cx="1224136" cy="144016"/>
+            <a:off x="5085580" y="2708920"/>
+            <a:ext cx="3556203" cy="3019568"/>
           </a:xfrm>
-          <a:prstGeom prst="chevron">
+          <a:prstGeom prst="rect">
             <a:avLst/>
           </a:prstGeom>
-          <a:solidFill>
-            <a:schemeClr val="accent1"/>
-          </a:solidFill>
-          <a:ln w="9525" cap="flat" cmpd="sng" algn="ctr">
-            <a:solidFill>
-              <a:schemeClr val="tx1"/>
-            </a:solidFill>
-            <a:prstDash val="solid"/>
-            <a:round/>
-            <a:headEnd type="none" w="med" len="med"/>
-            <a:tailEnd type="none" w="med" len="med"/>
-          </a:ln>
-          <a:effectLst/>
         </p:spPr>
-        <p:txBody>
-          <a:bodyPr vert="horz" wrap="square" lIns="91440" tIns="45720" rIns="91440" bIns="45720" numCol="1" rtlCol="0" anchor="t" anchorCtr="0" compatLnSpc="1">
-            <a:prstTxWarp prst="textNoShape">
-              <a:avLst/>
-            </a:prstTxWarp>
-          </a:bodyPr>
-          <a:lstStyle/>
-          <a:p>
-            <a:pPr marL="0" marR="0" indent="0" algn="l" defTabSz="914400" rtl="0" eaLnBrk="0" fontAlgn="base" latinLnBrk="0" hangingPunct="0">
-              <a:lnSpc>
-                <a:spcPct val="100000"/>
-              </a:lnSpc>
-              <a:spcBef>
-                <a:spcPct val="0"/>
-              </a:spcBef>
-              <a:spcAft>
-                <a:spcPct val="0"/>
-              </a:spcAft>
-              <a:buClrTx/>
-              <a:buSzTx/>
-              <a:buFontTx/>
-              <a:buNone/>
-              <a:tabLst/>
-            </a:pPr>
-            <a:endParaRPr kumimoji="0" lang="de-DE" sz="1800" b="0" i="0" u="none" strike="noStrike" cap="none" normalizeH="0" baseline="0">
-              <a:ln>
-                <a:noFill/>
-              </a:ln>
-              <a:solidFill>
-                <a:schemeClr val="tx1"/>
-              </a:solidFill>
-              <a:effectLst/>
-              <a:latin typeface="Arial" charset="0"/>
-            </a:endParaRPr>
-          </a:p>
-        </p:txBody>
-      </p:sp>
+      </p:pic>
     </p:spTree>
     <p:extLst>
       <p:ext uri="{BB962C8B-B14F-4D97-AF65-F5344CB8AC3E}">
-        <p14:creationId xmlns:p14="http://schemas.microsoft.com/office/powerpoint/2010/main" val="1127700186"/>
+        <p14:creationId xmlns:p14="http://schemas.microsoft.com/office/powerpoint/2010/main" val="1000860265"/>
       </p:ext>
     </p:extLst>
   </p:cSld>
@@ -5233,7 +6107,303 @@
 </p:sld>
 </file>
 
-<file path=ppt/slides/slide6.xml><?xml version="1.0" encoding="utf-8"?>
+<file path=ppt/slides/slide8.xml><?xml version="1.0" encoding="utf-8"?>
+<p:sld xmlns:a="http://schemas.openxmlformats.org/drawingml/2006/main" xmlns:r="http://schemas.openxmlformats.org/officeDocument/2006/relationships" xmlns:p="http://schemas.openxmlformats.org/presentationml/2006/main">
+  <p:cSld>
+    <p:spTree>
+      <p:nvGrpSpPr>
+        <p:cNvPr id="1" name=""/>
+        <p:cNvGrpSpPr/>
+        <p:nvPr/>
+      </p:nvGrpSpPr>
+      <p:grpSpPr>
+        <a:xfrm>
+          <a:off x="0" y="0"/>
+          <a:ext cx="0" cy="0"/>
+          <a:chOff x="0" y="0"/>
+          <a:chExt cx="0" cy="0"/>
+        </a:xfrm>
+      </p:grpSpPr>
+      <p:sp>
+        <p:nvSpPr>
+          <p:cNvPr id="2" name="Titel 1">
+            <a:extLst>
+              <a:ext uri="{FF2B5EF4-FFF2-40B4-BE49-F238E27FC236}">
+                <a16:creationId xmlns:a16="http://schemas.microsoft.com/office/drawing/2014/main" id="{3CC35EAB-7279-4E04-9B2A-E6E98D4BA660}"/>
+              </a:ext>
+            </a:extLst>
+          </p:cNvPr>
+          <p:cNvSpPr>
+            <a:spLocks noGrp="1"/>
+          </p:cNvSpPr>
+          <p:nvPr>
+            <p:ph type="title"/>
+          </p:nvPr>
+        </p:nvSpPr>
+        <p:spPr/>
+        <p:txBody>
+          <a:bodyPr>
+            <a:normAutofit/>
+          </a:bodyPr>
+          <a:lstStyle/>
+          <a:p>
+            <a:r>
+              <a:rPr lang="de-DE" sz="2000" dirty="0">
+                <a:solidFill>
+                  <a:srgbClr val="F8F8F8"/>
+                </a:solidFill>
+              </a:rPr>
+              <a:t>Das zu erwartende Produkt</a:t>
+            </a:r>
+          </a:p>
+        </p:txBody>
+      </p:sp>
+      <p:sp>
+        <p:nvSpPr>
+          <p:cNvPr id="3" name="Inhaltsplatzhalter 2">
+            <a:extLst>
+              <a:ext uri="{FF2B5EF4-FFF2-40B4-BE49-F238E27FC236}">
+                <a16:creationId xmlns:a16="http://schemas.microsoft.com/office/drawing/2014/main" id="{5F5D5294-AD45-42BA-91B5-0D4F144DDBD2}"/>
+              </a:ext>
+            </a:extLst>
+          </p:cNvPr>
+          <p:cNvSpPr>
+            <a:spLocks noGrp="1"/>
+          </p:cNvSpPr>
+          <p:nvPr>
+            <p:ph idx="1"/>
+          </p:nvPr>
+        </p:nvSpPr>
+        <p:spPr/>
+        <p:txBody>
+          <a:bodyPr/>
+          <a:lstStyle/>
+          <a:p>
+            <a:r>
+              <a:rPr lang="de-DE" sz="1200" dirty="0">
+                <a:solidFill>
+                  <a:schemeClr val="bg1">
+                    <a:lumMod val="10000"/>
+                  </a:schemeClr>
+                </a:solidFill>
+              </a:rPr>
+              <a:t>Hier dargestellt ,wie das fertige Produkt zu erwarten ist nachdem das Programm vollständig durchgelaufen ist, anhand eines selbst konstruierten Zahnrades in Catia.</a:t>
+            </a:r>
+          </a:p>
+          <a:p>
+            <a:endParaRPr lang="de-DE" sz="1200" dirty="0">
+              <a:solidFill>
+                <a:schemeClr val="bg1">
+                  <a:lumMod val="10000"/>
+                </a:schemeClr>
+              </a:solidFill>
+            </a:endParaRPr>
+          </a:p>
+          <a:p>
+            <a:endParaRPr lang="de-DE" sz="1200" dirty="0">
+              <a:solidFill>
+                <a:schemeClr val="bg1">
+                  <a:lumMod val="10000"/>
+                </a:schemeClr>
+              </a:solidFill>
+            </a:endParaRPr>
+          </a:p>
+          <a:p>
+            <a:endParaRPr lang="de-DE" sz="1200" dirty="0">
+              <a:solidFill>
+                <a:schemeClr val="bg1">
+                  <a:lumMod val="10000"/>
+                </a:schemeClr>
+              </a:solidFill>
+            </a:endParaRPr>
+          </a:p>
+          <a:p>
+            <a:endParaRPr lang="de-DE" sz="1200" dirty="0">
+              <a:solidFill>
+                <a:schemeClr val="bg1">
+                  <a:lumMod val="10000"/>
+                </a:schemeClr>
+              </a:solidFill>
+            </a:endParaRPr>
+          </a:p>
+          <a:p>
+            <a:endParaRPr lang="de-DE" sz="1200" dirty="0">
+              <a:solidFill>
+                <a:schemeClr val="bg1">
+                  <a:lumMod val="10000"/>
+                </a:schemeClr>
+              </a:solidFill>
+            </a:endParaRPr>
+          </a:p>
+          <a:p>
+            <a:endParaRPr lang="de-DE" sz="1200" dirty="0">
+              <a:solidFill>
+                <a:schemeClr val="bg1">
+                  <a:lumMod val="10000"/>
+                </a:schemeClr>
+              </a:solidFill>
+            </a:endParaRPr>
+          </a:p>
+          <a:p>
+            <a:endParaRPr lang="de-DE" sz="1200" dirty="0">
+              <a:solidFill>
+                <a:schemeClr val="bg1">
+                  <a:lumMod val="10000"/>
+                </a:schemeClr>
+              </a:solidFill>
+            </a:endParaRPr>
+          </a:p>
+          <a:p>
+            <a:endParaRPr lang="de-DE" sz="1200" dirty="0">
+              <a:solidFill>
+                <a:schemeClr val="bg1">
+                  <a:lumMod val="10000"/>
+                </a:schemeClr>
+              </a:solidFill>
+            </a:endParaRPr>
+          </a:p>
+          <a:p>
+            <a:pPr marL="0" indent="0">
+              <a:buNone/>
+            </a:pPr>
+            <a:endParaRPr lang="de-DE" sz="1200" dirty="0">
+              <a:solidFill>
+                <a:schemeClr val="bg1">
+                  <a:lumMod val="10000"/>
+                </a:schemeClr>
+              </a:solidFill>
+            </a:endParaRPr>
+          </a:p>
+          <a:p>
+            <a:r>
+              <a:rPr lang="de-DE" sz="1200" dirty="0">
+                <a:solidFill>
+                  <a:schemeClr val="bg1">
+                    <a:lumMod val="10000"/>
+                  </a:schemeClr>
+                </a:solidFill>
+              </a:rPr>
+              <a:t>Die Schrägverzahnung wurde Normgerecht über eine Helix realisiert.</a:t>
+            </a:r>
+          </a:p>
+          <a:p>
+            <a:r>
+              <a:rPr lang="de-DE" sz="1200" dirty="0">
+                <a:solidFill>
+                  <a:schemeClr val="bg1">
+                    <a:lumMod val="10000"/>
+                  </a:schemeClr>
+                </a:solidFill>
+              </a:rPr>
+              <a:t>Nun sollte ich möglich sein Anhand der Parameter in der „GUI“ verschiedene Zahnräder zu erzeugen.</a:t>
+            </a:r>
+          </a:p>
+          <a:p>
+            <a:endParaRPr lang="de-DE" sz="1200" dirty="0">
+              <a:solidFill>
+                <a:schemeClr val="bg1">
+                  <a:lumMod val="10000"/>
+                </a:schemeClr>
+              </a:solidFill>
+            </a:endParaRPr>
+          </a:p>
+          <a:p>
+            <a:endParaRPr lang="de-DE" sz="1200" dirty="0">
+              <a:solidFill>
+                <a:schemeClr val="bg1">
+                  <a:lumMod val="10000"/>
+                </a:schemeClr>
+              </a:solidFill>
+            </a:endParaRPr>
+          </a:p>
+        </p:txBody>
+      </p:sp>
+      <p:pic>
+        <p:nvPicPr>
+          <p:cNvPr id="5" name="Grafik 4">
+            <a:extLst>
+              <a:ext uri="{FF2B5EF4-FFF2-40B4-BE49-F238E27FC236}">
+                <a16:creationId xmlns:a16="http://schemas.microsoft.com/office/drawing/2014/main" id="{E7A8E15F-3D0C-43DB-9FEC-52FFB39EA96F}"/>
+              </a:ext>
+            </a:extLst>
+          </p:cNvPr>
+          <p:cNvPicPr>
+            <a:picLocks noChangeAspect="1"/>
+          </p:cNvPicPr>
+          <p:nvPr/>
+        </p:nvPicPr>
+        <p:blipFill>
+          <a:blip r:embed="rId2" cstate="print">
+            <a:extLst>
+              <a:ext uri="{28A0092B-C50C-407E-A947-70E740481C1C}">
+                <a14:useLocalDpi xmlns:a14="http://schemas.microsoft.com/office/drawing/2010/main" val="0"/>
+              </a:ext>
+            </a:extLst>
+          </a:blip>
+          <a:stretch>
+            <a:fillRect/>
+          </a:stretch>
+        </p:blipFill>
+        <p:spPr>
+          <a:xfrm>
+            <a:off x="971600" y="2204863"/>
+            <a:ext cx="3456383" cy="1944215"/>
+          </a:xfrm>
+          <a:prstGeom prst="rect">
+            <a:avLst/>
+          </a:prstGeom>
+        </p:spPr>
+      </p:pic>
+      <p:pic>
+        <p:nvPicPr>
+          <p:cNvPr id="7" name="Grafik 6">
+            <a:extLst>
+              <a:ext uri="{FF2B5EF4-FFF2-40B4-BE49-F238E27FC236}">
+                <a16:creationId xmlns:a16="http://schemas.microsoft.com/office/drawing/2014/main" id="{35A2EA6D-40E9-4151-AD20-3D89C723012D}"/>
+              </a:ext>
+            </a:extLst>
+          </p:cNvPr>
+          <p:cNvPicPr>
+            <a:picLocks noChangeAspect="1"/>
+          </p:cNvPicPr>
+          <p:nvPr/>
+        </p:nvPicPr>
+        <p:blipFill>
+          <a:blip r:embed="rId3" cstate="print">
+            <a:extLst>
+              <a:ext uri="{28A0092B-C50C-407E-A947-70E740481C1C}">
+                <a14:useLocalDpi xmlns:a14="http://schemas.microsoft.com/office/drawing/2010/main" val="0"/>
+              </a:ext>
+            </a:extLst>
+          </a:blip>
+          <a:stretch>
+            <a:fillRect/>
+          </a:stretch>
+        </p:blipFill>
+        <p:spPr>
+          <a:xfrm>
+            <a:off x="5220072" y="4725144"/>
+            <a:ext cx="3419872" cy="1923678"/>
+          </a:xfrm>
+          <a:prstGeom prst="rect">
+            <a:avLst/>
+          </a:prstGeom>
+        </p:spPr>
+      </p:pic>
+    </p:spTree>
+    <p:extLst>
+      <p:ext uri="{BB962C8B-B14F-4D97-AF65-F5344CB8AC3E}">
+        <p14:creationId xmlns:p14="http://schemas.microsoft.com/office/powerpoint/2010/main" val="2949524514"/>
+      </p:ext>
+    </p:extLst>
+  </p:cSld>
+  <p:clrMapOvr>
+    <a:masterClrMapping/>
+  </p:clrMapOvr>
+</p:sld>
+</file>
+
+<file path=ppt/slides/slide9.xml><?xml version="1.0" encoding="utf-8"?>
 <p:sld xmlns:a="http://schemas.openxmlformats.org/drawingml/2006/main" xmlns:r="http://schemas.openxmlformats.org/officeDocument/2006/relationships" xmlns:p="http://schemas.openxmlformats.org/presentationml/2006/main">
   <p:cSld>
     <p:spTree>
@@ -5290,7 +6460,7 @@
         </p:nvSpPr>
         <p:spPr>
           <a:xfrm>
-            <a:off x="539552" y="1772816"/>
+            <a:off x="467544" y="1724472"/>
             <a:ext cx="8305800" cy="4752528"/>
           </a:xfrm>
         </p:spPr>
@@ -5364,13 +6534,19 @@
               <a:buNone/>
             </a:pPr>
             <a:r>
-              <a:rPr lang="de-DE" sz="2000" i="1" u="sng" dirty="0"/>
+              <a:rPr lang="de-DE" sz="1200" i="1" u="sng" dirty="0">
+                <a:solidFill>
+                  <a:schemeClr val="bg1">
+                    <a:lumMod val="10000"/>
+                  </a:schemeClr>
+                </a:solidFill>
+              </a:rPr>
               <a:t>Innenzahnrad: </a:t>
             </a:r>
             <a:r>
-              <a:rPr lang="de-DE" sz="2000" dirty="0">
-                <a:solidFill>
-                  <a:srgbClr val="99CCFF"/>
+              <a:rPr lang="de-DE" sz="1200" dirty="0">
+                <a:solidFill>
+                  <a:srgbClr val="0070C0"/>
                 </a:solidFill>
                 <a:hlinkClick r:id="rId2">
                   <a:extLst>
@@ -5382,7 +6558,72 @@
               </a:rPr>
               <a:t>https://www.vario-helicopter.biz/de/Zahnraeder/Innenzahnraeder/Innenzahnrad::36846.html</a:t>
             </a:r>
-            <a:endParaRPr lang="de-DE" sz="2000" dirty="0">
+            <a:endParaRPr lang="de-DE" sz="1200" dirty="0">
+              <a:solidFill>
+                <a:srgbClr val="0070C0"/>
+              </a:solidFill>
+            </a:endParaRPr>
+          </a:p>
+          <a:p>
+            <a:pPr marL="0" indent="0">
+              <a:buNone/>
+            </a:pPr>
+            <a:endParaRPr lang="de-DE" sz="2000" dirty="0"/>
+          </a:p>
+          <a:p>
+            <a:pPr marL="0" indent="0">
+              <a:buNone/>
+            </a:pPr>
+            <a:endParaRPr lang="de-DE" sz="2000" i="1" u="sng" dirty="0"/>
+          </a:p>
+          <a:p>
+            <a:pPr marL="0" indent="0">
+              <a:buNone/>
+            </a:pPr>
+            <a:r>
+              <a:rPr lang="de-DE" sz="1200" i="1" u="sng" dirty="0">
+                <a:solidFill>
+                  <a:schemeClr val="bg1">
+                    <a:lumMod val="10000"/>
+                  </a:schemeClr>
+                </a:solidFill>
+              </a:rPr>
+              <a:t>Zahnrad „Gradverzahnt</a:t>
+            </a:r>
+            <a:r>
+              <a:rPr lang="de-DE" sz="1200" i="1" u="sng" dirty="0">
+                <a:solidFill>
+                  <a:srgbClr val="0070C0"/>
+                </a:solidFill>
+              </a:rPr>
+              <a:t>“: </a:t>
+            </a:r>
+            <a:r>
+              <a:rPr lang="de-DE" sz="1200" i="1" u="sng" dirty="0">
+                <a:solidFill>
+                  <a:srgbClr val="0070C0"/>
+                </a:solidFill>
+                <a:hlinkClick r:id="rId3">
+                  <a:extLst>
+                    <a:ext uri="{A12FA001-AC4F-418D-AE19-62706E023703}">
+                      <ahyp:hlinkClr xmlns:ahyp="http://schemas.microsoft.com/office/drawing/2018/hyperlinkcolor" val="tx"/>
+                    </a:ext>
+                  </a:extLst>
+                </a:hlinkClick>
+              </a:rPr>
+              <a:t>https://www.vario-helicopter.biz/de/Zahnraeder/Zahnraeder-Modul-1-5/Zahnrad-17-mm-47-Zaehne::100833.html</a:t>
+            </a:r>
+            <a:endParaRPr lang="de-DE" sz="1200" i="1" u="sng" dirty="0">
+              <a:solidFill>
+                <a:srgbClr val="0070C0"/>
+              </a:solidFill>
+            </a:endParaRPr>
+          </a:p>
+          <a:p>
+            <a:pPr marL="0" indent="0">
+              <a:buNone/>
+            </a:pPr>
+            <a:endParaRPr lang="de-DE" sz="1200" i="1" u="sng" dirty="0">
               <a:solidFill>
                 <a:srgbClr val="99CCFF"/>
               </a:solidFill>
@@ -5392,33 +6633,55 @@
             <a:pPr marL="0" indent="0">
               <a:buNone/>
             </a:pPr>
-            <a:endParaRPr lang="de-DE" sz="2000" dirty="0"/>
-          </a:p>
-          <a:p>
-            <a:pPr marL="0" indent="0">
-              <a:buNone/>
-            </a:pPr>
-            <a:endParaRPr lang="de-DE" sz="2000" i="1" u="sng" dirty="0"/>
-          </a:p>
-          <a:p>
-            <a:pPr marL="0" indent="0">
-              <a:buNone/>
-            </a:pPr>
-            <a:r>
-              <a:rPr lang="de-DE" sz="2000" i="1" u="sng" dirty="0"/>
-              <a:t>Zahnrad „Gradverzahnt“: </a:t>
-            </a:r>
-            <a:r>
-              <a:rPr lang="de-DE" sz="2000" i="1" u="sng" dirty="0">
-                <a:solidFill>
-                  <a:srgbClr val="99CCFF"/>
-                </a:solidFill>
-              </a:rPr>
-              <a:t>https://www.vario-helicopter.biz/de/Zahnraeder/Zahnraeder-Modul-1-5/Zahnrad-17-mm-47-Zaehne::100833.html</a:t>
-            </a:r>
-            <a:endParaRPr lang="de-DE" sz="2000" dirty="0">
+            <a:endParaRPr lang="de-DE" sz="1200" i="1" u="sng" dirty="0">
               <a:solidFill>
                 <a:srgbClr val="99CCFF"/>
+              </a:solidFill>
+            </a:endParaRPr>
+          </a:p>
+          <a:p>
+            <a:pPr marL="0" indent="0">
+              <a:buNone/>
+            </a:pPr>
+            <a:endParaRPr lang="de-DE" sz="1200" i="1" u="sng" dirty="0">
+              <a:solidFill>
+                <a:srgbClr val="99CCFF"/>
+              </a:solidFill>
+            </a:endParaRPr>
+          </a:p>
+          <a:p>
+            <a:pPr marL="0" indent="0">
+              <a:buNone/>
+            </a:pPr>
+            <a:r>
+              <a:rPr lang="de-DE" sz="1200" i="1" u="sng" dirty="0" err="1">
+                <a:solidFill>
+                  <a:schemeClr val="bg1">
+                    <a:lumMod val="10000"/>
+                  </a:schemeClr>
+                </a:solidFill>
+              </a:rPr>
+              <a:t>Stirnzahnrad“Schrägverzahnt“:</a:t>
+            </a:r>
+            <a:r>
+              <a:rPr lang="de-DE" sz="1200" i="1" u="sng" dirty="0" err="1">
+                <a:solidFill>
+                  <a:srgbClr val="0070C0"/>
+                </a:solidFill>
+              </a:rPr>
+              <a:t>https</a:t>
+            </a:r>
+            <a:r>
+              <a:rPr lang="de-DE" sz="1200" i="1" u="sng" dirty="0">
+                <a:solidFill>
+                  <a:srgbClr val="0070C0"/>
+                </a:solidFill>
+              </a:rPr>
+              <a:t>://www.gg-antriebstechnik.de/antriebstechnik/stirnraeder-gearflex/</a:t>
+            </a:r>
+            <a:endParaRPr lang="de-DE" sz="1200" dirty="0">
+              <a:solidFill>
+                <a:srgbClr val="0070C0"/>
               </a:solidFill>
             </a:endParaRPr>
           </a:p>
@@ -5439,7 +6702,7 @@
           <p:nvPr/>
         </p:nvPicPr>
         <p:blipFill>
-          <a:blip r:embed="rId3" cstate="print">
+          <a:blip r:embed="rId4" cstate="print">
             <a:extLst>
               <a:ext uri="{28A0092B-C50C-407E-A947-70E740481C1C}">
                 <a14:useLocalDpi xmlns:a14="http://schemas.microsoft.com/office/drawing/2010/main" val="0"/>
@@ -5452,8 +6715,8 @@
         </p:blipFill>
         <p:spPr>
           <a:xfrm>
-            <a:off x="6660231" y="4131638"/>
-            <a:ext cx="2118891" cy="990913"/>
+            <a:off x="6300193" y="3429001"/>
+            <a:ext cx="1231810" cy="576064"/>
           </a:xfrm>
           <a:prstGeom prst="roundRect">
             <a:avLst>
@@ -5501,7 +6764,7 @@
           <p:nvPr/>
         </p:nvPicPr>
         <p:blipFill>
-          <a:blip r:embed="rId4" cstate="print">
+          <a:blip r:embed="rId5" cstate="print">
             <a:extLst>
               <a:ext uri="{28A0092B-C50C-407E-A947-70E740481C1C}">
                 <a14:useLocalDpi xmlns:a14="http://schemas.microsoft.com/office/drawing/2010/main" val="0"/>
@@ -5514,8 +6777,8 @@
         </p:blipFill>
         <p:spPr>
           <a:xfrm>
-            <a:off x="6660232" y="5804199"/>
-            <a:ext cx="2118890" cy="980728"/>
+            <a:off x="6291894" y="4365104"/>
+            <a:ext cx="1244603" cy="576064"/>
           </a:xfrm>
           <a:prstGeom prst="roundRect">
             <a:avLst>
@@ -5548,132 +6811,42 @@
           </a:sp3d>
         </p:spPr>
       </p:pic>
-    </p:spTree>
-  </p:cSld>
-  <p:clrMapOvr>
-    <a:masterClrMapping/>
-  </p:clrMapOvr>
-</p:sld>
-</file>
-
-<file path=ppt/slides/slide7.xml><?xml version="1.0" encoding="utf-8"?>
-<p:sld xmlns:a="http://schemas.openxmlformats.org/drawingml/2006/main" xmlns:r="http://schemas.openxmlformats.org/officeDocument/2006/relationships" xmlns:p="http://schemas.openxmlformats.org/presentationml/2006/main">
-  <p:cSld>
-    <p:spTree>
-      <p:nvGrpSpPr>
-        <p:cNvPr id="1" name=""/>
-        <p:cNvGrpSpPr/>
-        <p:nvPr/>
-      </p:nvGrpSpPr>
-      <p:grpSpPr>
-        <a:xfrm>
-          <a:off x="0" y="0"/>
-          <a:ext cx="0" cy="0"/>
-          <a:chOff x="0" y="0"/>
-          <a:chExt cx="0" cy="0"/>
-        </a:xfrm>
-      </p:grpSpPr>
-      <p:sp>
-        <p:nvSpPr>
-          <p:cNvPr id="2" name="Title 1"/>
-          <p:cNvSpPr>
-            <a:spLocks noGrp="1"/>
-          </p:cNvSpPr>
-          <p:nvPr>
-            <p:ph type="title"/>
-          </p:nvPr>
-        </p:nvSpPr>
-        <p:spPr/>
-        <p:txBody>
-          <a:bodyPr>
-            <a:normAutofit/>
-          </a:bodyPr>
-          <a:lstStyle/>
-          <a:p>
-            <a:r>
-              <a:rPr lang="de-DE" sz="2800" dirty="0">
-                <a:solidFill>
-                  <a:srgbClr val="F8F8F8"/>
-                </a:solidFill>
-              </a:rPr>
-              <a:t>Literaturverzeichnis Präsentation</a:t>
-            </a:r>
-          </a:p>
-        </p:txBody>
-      </p:sp>
-      <p:sp>
-        <p:nvSpPr>
-          <p:cNvPr id="4" name="Inhaltsplatzhalter 3">
+      <p:pic>
+        <p:nvPicPr>
+          <p:cNvPr id="4" name="Grafik 3">
             <a:extLst>
               <a:ext uri="{FF2B5EF4-FFF2-40B4-BE49-F238E27FC236}">
-                <a16:creationId xmlns:a16="http://schemas.microsoft.com/office/drawing/2014/main" id="{D125F3EA-B28C-404A-84AE-9E5A670BD4ED}"/>
+                <a16:creationId xmlns:a16="http://schemas.microsoft.com/office/drawing/2014/main" id="{F39DED3D-3F9E-4FF1-B682-D85A01AF2BC6}"/>
               </a:ext>
             </a:extLst>
           </p:cNvPr>
-          <p:cNvSpPr>
-            <a:spLocks noGrp="1"/>
-          </p:cNvSpPr>
-          <p:nvPr>
-            <p:ph idx="1"/>
-          </p:nvPr>
-        </p:nvSpPr>
+          <p:cNvPicPr>
+            <a:picLocks noChangeAspect="1"/>
+          </p:cNvPicPr>
+          <p:nvPr/>
+        </p:nvPicPr>
+        <p:blipFill>
+          <a:blip r:embed="rId6">
+            <a:extLst>
+              <a:ext uri="{28A0092B-C50C-407E-A947-70E740481C1C}">
+                <a14:useLocalDpi xmlns:a14="http://schemas.microsoft.com/office/drawing/2010/main" val="0"/>
+              </a:ext>
+            </a:extLst>
+          </a:blip>
+          <a:stretch>
+            <a:fillRect/>
+          </a:stretch>
+        </p:blipFill>
         <p:spPr>
           <a:xfrm>
-            <a:off x="755576" y="1916832"/>
-            <a:ext cx="7657728" cy="4195192"/>
+            <a:off x="6291894" y="5440867"/>
+            <a:ext cx="1224136" cy="1036245"/>
           </a:xfrm>
+          <a:prstGeom prst="rect">
+            <a:avLst/>
+          </a:prstGeom>
         </p:spPr>
-        <p:txBody>
-          <a:bodyPr/>
-          <a:lstStyle/>
-          <a:p>
-            <a:pPr marL="0" indent="0">
-              <a:buNone/>
-            </a:pPr>
-            <a:endParaRPr lang="de-DE" sz="1600" dirty="0"/>
-          </a:p>
-          <a:p>
-            <a:pPr marL="0" indent="0">
-              <a:buNone/>
-            </a:pPr>
-            <a:r>
-              <a:rPr lang="de-DE" sz="1600" dirty="0"/>
-              <a:t>Abb. 1: </a:t>
-            </a:r>
-            <a:r>
-              <a:rPr lang="de-DE" sz="1600" u="sng" dirty="0">
-                <a:solidFill>
-                  <a:srgbClr val="99CCFF"/>
-                </a:solidFill>
-              </a:rPr>
-              <a:t>https://www.leonardocompany.com/o/adaptive-media/image/5157133/h_560/LDO_banner_software.jpg?t=1550744881800</a:t>
-            </a:r>
-          </a:p>
-          <a:p>
-            <a:pPr marL="0" indent="0">
-              <a:buNone/>
-            </a:pPr>
-            <a:endParaRPr lang="de-DE" sz="1600" dirty="0"/>
-          </a:p>
-          <a:p>
-            <a:pPr marL="0" indent="0">
-              <a:buNone/>
-            </a:pPr>
-            <a:r>
-              <a:rPr lang="de-DE" sz="1600" dirty="0"/>
-              <a:t>Abb. 2: </a:t>
-            </a:r>
-            <a:r>
-              <a:rPr lang="de-DE" sz="1600" u="sng" dirty="0">
-                <a:solidFill>
-                  <a:srgbClr val="99CCFF"/>
-                </a:solidFill>
-              </a:rPr>
-              <a:t>https://caso.com/wp-content/uploads/2019/12/Team-Photo-scaled.jpg</a:t>
-            </a:r>
-          </a:p>
-        </p:txBody>
-      </p:sp>
+      </p:pic>
     </p:spTree>
   </p:cSld>
   <p:clrMapOvr>
